--- a/PPT/06 UFT Description Programme.pptx
+++ b/PPT/06 UFT Description Programme.pptx
@@ -126,7 +126,7 @@
   </p:defaultTextStyle>
   <p:extLst>
     <p:ext uri="{EFAFB233-063F-42B5-8137-9DF3F51BA10A}">
-      <p15:sldGuideLst xmlns:p15="http://schemas.microsoft.com/office/powerpoint/2012/main">
+      <p15:sldGuideLst xmlns:p15="http://schemas.microsoft.com/office/powerpoint/2012/main" xmlns="">
         <p15:guide id="1" orient="horz" pos="2160">
           <p15:clr>
             <a:srgbClr val="A4A3A4"/>
@@ -3072,8 +3072,8 @@
     <dgm:cxn modelId="{00D8C35F-6014-43F2-A272-46D0258DC54B}" type="presOf" srcId="{56C99597-15F7-44A3-AED5-6D2E97D28E33}" destId="{62B6B262-1ED8-4B5C-9E4C-39D548A8BC8C}" srcOrd="1" destOrd="0" presId="urn:microsoft.com/office/officeart/2005/8/layout/chart3"/>
     <dgm:cxn modelId="{36F292E3-C707-477D-A56F-635DBD8AD159}" type="presOf" srcId="{A2361B3C-C19F-414F-9ABE-A469B6CBFF14}" destId="{2CDC547A-BA6E-46EA-BA71-DC8B365DEB40}" srcOrd="0" destOrd="0" presId="urn:microsoft.com/office/officeart/2005/8/layout/chart3"/>
     <dgm:cxn modelId="{4E1D371C-AC64-4E46-A8BB-AB450D3AD68F}" srcId="{A2361B3C-C19F-414F-9ABE-A469B6CBFF14}" destId="{56C99597-15F7-44A3-AED5-6D2E97D28E33}" srcOrd="0" destOrd="0" parTransId="{FF77C980-0829-465B-8705-6E4536B68FA4}" sibTransId="{793A13A9-B34C-403D-93E2-C70A1CFFAAC1}"/>
+    <dgm:cxn modelId="{CB15E58C-8DD0-42C3-8C72-230783474FD8}" srcId="{A2361B3C-C19F-414F-9ABE-A469B6CBFF14}" destId="{F0BD72A5-A221-499A-9806-49B5D217D906}" srcOrd="1" destOrd="0" parTransId="{8B351DB1-FD4C-47B9-895A-314C04493263}" sibTransId="{3E47A02B-4CB0-40C1-A97C-E8C7DBA2CEED}"/>
     <dgm:cxn modelId="{DC8E83BD-FC8A-4412-A0FC-7E0DFB8B011B}" type="presOf" srcId="{F0BD72A5-A221-499A-9806-49B5D217D906}" destId="{7DF21BD5-AB1A-41A7-BB90-AAEE9E712A42}" srcOrd="0" destOrd="0" presId="urn:microsoft.com/office/officeart/2005/8/layout/chart3"/>
-    <dgm:cxn modelId="{CB15E58C-8DD0-42C3-8C72-230783474FD8}" srcId="{A2361B3C-C19F-414F-9ABE-A469B6CBFF14}" destId="{F0BD72A5-A221-499A-9806-49B5D217D906}" srcOrd="1" destOrd="0" parTransId="{8B351DB1-FD4C-47B9-895A-314C04493263}" sibTransId="{3E47A02B-4CB0-40C1-A97C-E8C7DBA2CEED}"/>
     <dgm:cxn modelId="{93A4F5F9-B9D8-4B77-8699-6654CA04B722}" type="presParOf" srcId="{2CDC547A-BA6E-46EA-BA71-DC8B365DEB40}" destId="{546390BE-A431-44BE-B388-447EA66AB706}" srcOrd="0" destOrd="0" presId="urn:microsoft.com/office/officeart/2005/8/layout/chart3"/>
     <dgm:cxn modelId="{06D28D9E-9B2B-488C-B607-E95BABE2A774}" type="presParOf" srcId="{2CDC547A-BA6E-46EA-BA71-DC8B365DEB40}" destId="{62B6B262-1ED8-4B5C-9E4C-39D548A8BC8C}" srcOrd="1" destOrd="0" presId="urn:microsoft.com/office/officeart/2005/8/layout/chart3"/>
     <dgm:cxn modelId="{B60FA9C8-15DF-4C78-ADF0-1DEE6EA78566}" type="presParOf" srcId="{2CDC547A-BA6E-46EA-BA71-DC8B365DEB40}" destId="{7DF21BD5-AB1A-41A7-BB90-AAEE9E712A42}" srcOrd="2" destOrd="0" presId="urn:microsoft.com/office/officeart/2005/8/layout/chart3"/>
@@ -4241,518 +4241,6 @@
       <dsp:cNvGrpSpPr/>
     </dsp:nvGrpSpPr>
     <dsp:grpSpPr/>
-    <dsp:sp modelId="{A5EEDAEC-01FA-4823-9292-F98D94916D1F}">
-      <dsp:nvSpPr>
-        <dsp:cNvPr id="0" name=""/>
-        <dsp:cNvSpPr/>
-      </dsp:nvSpPr>
-      <dsp:spPr>
-        <a:xfrm>
-          <a:off x="0" y="50881"/>
-          <a:ext cx="6770915" cy="0"/>
-        </a:xfrm>
-        <a:prstGeom prst="line">
-          <a:avLst/>
-        </a:prstGeom>
-        <a:solidFill>
-          <a:schemeClr val="accent3">
-            <a:hueOff val="0"/>
-            <a:satOff val="0"/>
-            <a:lumOff val="0"/>
-            <a:alphaOff val="0"/>
-          </a:schemeClr>
-        </a:solidFill>
-        <a:ln w="9525" cap="flat" cmpd="sng" algn="ctr">
-          <a:solidFill>
-            <a:schemeClr val="accent3">
-              <a:hueOff val="0"/>
-              <a:satOff val="0"/>
-              <a:lumOff val="0"/>
-              <a:alphaOff val="0"/>
-            </a:schemeClr>
-          </a:solidFill>
-          <a:prstDash val="solid"/>
-        </a:ln>
-        <a:effectLst/>
-        <a:sp3d extrusionH="381000" contourW="38100" prstMaterial="matte">
-          <a:contourClr>
-            <a:schemeClr val="lt1"/>
-          </a:contourClr>
-        </a:sp3d>
-      </dsp:spPr>
-      <dsp:style>
-        <a:lnRef idx="1">
-          <a:scrgbClr r="0" g="0" b="0"/>
-        </a:lnRef>
-        <a:fillRef idx="1">
-          <a:scrgbClr r="0" g="0" b="0"/>
-        </a:fillRef>
-        <a:effectRef idx="0">
-          <a:scrgbClr r="0" g="0" b="0"/>
-        </a:effectRef>
-        <a:fontRef idx="minor">
-          <a:schemeClr val="lt1"/>
-        </a:fontRef>
-      </dsp:style>
-    </dsp:sp>
-    <dsp:sp modelId="{96A2386D-479F-4216-A5FB-BC3BF05FAA74}">
-      <dsp:nvSpPr>
-        <dsp:cNvPr id="0" name=""/>
-        <dsp:cNvSpPr/>
-      </dsp:nvSpPr>
-      <dsp:spPr>
-        <a:xfrm>
-          <a:off x="0" y="0"/>
-          <a:ext cx="1354183" cy="4064000"/>
-        </a:xfrm>
-        <a:prstGeom prst="rect">
-          <a:avLst/>
-        </a:prstGeom>
-        <a:noFill/>
-        <a:ln>
-          <a:noFill/>
-        </a:ln>
-        <a:effectLst/>
-      </dsp:spPr>
-      <dsp:style>
-        <a:lnRef idx="0">
-          <a:scrgbClr r="0" g="0" b="0"/>
-        </a:lnRef>
-        <a:fillRef idx="0">
-          <a:scrgbClr r="0" g="0" b="0"/>
-        </a:fillRef>
-        <a:effectRef idx="0">
-          <a:scrgbClr r="0" g="0" b="0"/>
-        </a:effectRef>
-        <a:fontRef idx="minor"/>
-      </dsp:style>
-      <dsp:txBody>
-        <a:bodyPr spcFirstLastPara="0" vert="horz" wrap="square" lIns="68580" tIns="68580" rIns="68580" bIns="68580" numCol="1" spcCol="1270" anchor="t" anchorCtr="0">
-          <a:noAutofit/>
-        </a:bodyPr>
-        <a:lstStyle/>
-        <a:p>
-          <a:pPr lvl="0" algn="l" defTabSz="800100">
-            <a:lnSpc>
-              <a:spcPct val="90000"/>
-            </a:lnSpc>
-            <a:spcBef>
-              <a:spcPct val="0"/>
-            </a:spcBef>
-            <a:spcAft>
-              <a:spcPct val="35000"/>
-            </a:spcAft>
-          </a:pPr>
-          <a:r>
-            <a:rPr lang="en-US" altLang="zh-CN" sz="1800" b="1" kern="1200" dirty="0" smtClean="0">
-              <a:solidFill>
-                <a:srgbClr val="FF0000"/>
-              </a:solidFill>
-            </a:rPr>
-            <a:t>ChildObjects</a:t>
-          </a:r>
-          <a:endParaRPr lang="zh-CN" altLang="en-US" sz="1800" b="1" kern="1200" dirty="0">
-            <a:solidFill>
-              <a:srgbClr val="FF0000"/>
-            </a:solidFill>
-          </a:endParaRPr>
-        </a:p>
-      </dsp:txBody>
-      <dsp:txXfrm>
-        <a:off x="0" y="0"/>
-        <a:ext cx="1354183" cy="4064000"/>
-      </dsp:txXfrm>
-    </dsp:sp>
-    <dsp:sp modelId="{817C38CC-82A5-4CD6-B819-E12FED69AE8C}">
-      <dsp:nvSpPr>
-        <dsp:cNvPr id="0" name=""/>
-        <dsp:cNvSpPr/>
-      </dsp:nvSpPr>
-      <dsp:spPr>
-        <a:xfrm>
-          <a:off x="1455746" y="63500"/>
-          <a:ext cx="5315168" cy="1269999"/>
-        </a:xfrm>
-        <a:prstGeom prst="rect">
-          <a:avLst/>
-        </a:prstGeom>
-        <a:noFill/>
-        <a:ln>
-          <a:noFill/>
-        </a:ln>
-        <a:effectLst/>
-      </dsp:spPr>
-      <dsp:style>
-        <a:lnRef idx="0">
-          <a:scrgbClr r="0" g="0" b="0"/>
-        </a:lnRef>
-        <a:fillRef idx="0">
-          <a:scrgbClr r="0" g="0" b="0"/>
-        </a:fillRef>
-        <a:effectRef idx="0">
-          <a:scrgbClr r="0" g="0" b="0"/>
-        </a:effectRef>
-        <a:fontRef idx="minor"/>
-      </dsp:style>
-      <dsp:txBody>
-        <a:bodyPr spcFirstLastPara="0" vert="horz" wrap="square" lIns="129540" tIns="129540" rIns="129540" bIns="129540" numCol="1" spcCol="1270" anchor="t" anchorCtr="0">
-          <a:noAutofit/>
-        </a:bodyPr>
-        <a:lstStyle/>
-        <a:p>
-          <a:pPr lvl="0" algn="l" defTabSz="1511300">
-            <a:lnSpc>
-              <a:spcPct val="90000"/>
-            </a:lnSpc>
-            <a:spcBef>
-              <a:spcPct val="0"/>
-            </a:spcBef>
-            <a:spcAft>
-              <a:spcPct val="35000"/>
-            </a:spcAft>
-          </a:pPr>
-          <a:r>
-            <a:rPr lang="zh-CN" altLang="zh-CN" sz="3400" kern="1200" dirty="0" smtClean="0">
-              <a:solidFill>
-                <a:schemeClr val="tx2">
-                  <a:lumMod val="75000"/>
-                </a:schemeClr>
-              </a:solidFill>
-              <a:latin typeface="+mn-ea"/>
-              <a:ea typeface="+mn-ea"/>
-            </a:rPr>
-            <a:t>创建一个 </a:t>
-          </a:r>
-          <a:r>
-            <a:rPr lang="en-US" altLang="zh-CN" sz="3400" kern="1200" dirty="0" smtClean="0">
-              <a:solidFill>
-                <a:schemeClr val="tx2">
-                  <a:lumMod val="75000"/>
-                </a:schemeClr>
-              </a:solidFill>
-              <a:latin typeface="+mn-ea"/>
-              <a:ea typeface="+mn-ea"/>
-            </a:rPr>
-            <a:t>Description </a:t>
-          </a:r>
-          <a:r>
-            <a:rPr lang="zh-CN" altLang="zh-CN" sz="3400" kern="1200" dirty="0" smtClean="0">
-              <a:solidFill>
-                <a:schemeClr val="tx2">
-                  <a:lumMod val="75000"/>
-                </a:schemeClr>
-              </a:solidFill>
-              <a:latin typeface="+mn-ea"/>
-              <a:ea typeface="+mn-ea"/>
-            </a:rPr>
-            <a:t>对象</a:t>
-          </a:r>
-          <a:endParaRPr lang="zh-CN" altLang="en-US" sz="3400" kern="1200" dirty="0">
-            <a:solidFill>
-              <a:schemeClr val="tx2">
-                <a:lumMod val="75000"/>
-              </a:schemeClr>
-            </a:solidFill>
-          </a:endParaRPr>
-        </a:p>
-      </dsp:txBody>
-      <dsp:txXfrm>
-        <a:off x="1455746" y="63500"/>
-        <a:ext cx="5315168" cy="1269999"/>
-      </dsp:txXfrm>
-    </dsp:sp>
-    <dsp:sp modelId="{DDEBD472-2B8B-44D0-9104-082898F2EAC5}">
-      <dsp:nvSpPr>
-        <dsp:cNvPr id="0" name=""/>
-        <dsp:cNvSpPr/>
-      </dsp:nvSpPr>
-      <dsp:spPr>
-        <a:xfrm>
-          <a:off x="1354183" y="1333499"/>
-          <a:ext cx="5416732" cy="0"/>
-        </a:xfrm>
-        <a:prstGeom prst="line">
-          <a:avLst/>
-        </a:prstGeom>
-        <a:solidFill>
-          <a:schemeClr val="accent3">
-            <a:hueOff val="0"/>
-            <a:satOff val="0"/>
-            <a:lumOff val="0"/>
-            <a:alphaOff val="0"/>
-          </a:schemeClr>
-        </a:solidFill>
-        <a:ln w="25400" cap="flat" cmpd="sng" algn="ctr">
-          <a:solidFill>
-            <a:schemeClr val="accent3">
-              <a:tint val="50000"/>
-              <a:hueOff val="0"/>
-              <a:satOff val="0"/>
-              <a:lumOff val="0"/>
-              <a:alphaOff val="0"/>
-            </a:schemeClr>
-          </a:solidFill>
-          <a:prstDash val="solid"/>
-        </a:ln>
-        <a:effectLst/>
-        <a:sp3d z="127000" prstMaterial="matte"/>
-      </dsp:spPr>
-      <dsp:style>
-        <a:lnRef idx="2">
-          <a:scrgbClr r="0" g="0" b="0"/>
-        </a:lnRef>
-        <a:fillRef idx="1">
-          <a:scrgbClr r="0" g="0" b="0"/>
-        </a:fillRef>
-        <a:effectRef idx="0">
-          <a:scrgbClr r="0" g="0" b="0"/>
-        </a:effectRef>
-        <a:fontRef idx="minor"/>
-      </dsp:style>
-    </dsp:sp>
-    <dsp:sp modelId="{0969665B-139B-49DE-89AA-00A492AABCB2}">
-      <dsp:nvSpPr>
-        <dsp:cNvPr id="0" name=""/>
-        <dsp:cNvSpPr/>
-      </dsp:nvSpPr>
-      <dsp:spPr>
-        <a:xfrm>
-          <a:off x="1455746" y="1396999"/>
-          <a:ext cx="5315168" cy="1269999"/>
-        </a:xfrm>
-        <a:prstGeom prst="rect">
-          <a:avLst/>
-        </a:prstGeom>
-        <a:noFill/>
-        <a:ln>
-          <a:noFill/>
-        </a:ln>
-        <a:effectLst/>
-      </dsp:spPr>
-      <dsp:style>
-        <a:lnRef idx="0">
-          <a:scrgbClr r="0" g="0" b="0"/>
-        </a:lnRef>
-        <a:fillRef idx="0">
-          <a:scrgbClr r="0" g="0" b="0"/>
-        </a:fillRef>
-        <a:effectRef idx="0">
-          <a:scrgbClr r="0" g="0" b="0"/>
-        </a:effectRef>
-        <a:fontRef idx="minor"/>
-      </dsp:style>
-      <dsp:txBody>
-        <a:bodyPr spcFirstLastPara="0" vert="horz" wrap="square" lIns="129540" tIns="129540" rIns="129540" bIns="129540" numCol="1" spcCol="1270" anchor="t" anchorCtr="0">
-          <a:noAutofit/>
-        </a:bodyPr>
-        <a:lstStyle/>
-        <a:p>
-          <a:pPr lvl="0" algn="l" defTabSz="1511300">
-            <a:lnSpc>
-              <a:spcPct val="90000"/>
-            </a:lnSpc>
-            <a:spcBef>
-              <a:spcPct val="0"/>
-            </a:spcBef>
-            <a:spcAft>
-              <a:spcPct val="35000"/>
-            </a:spcAft>
-          </a:pPr>
-          <a:r>
-            <a:rPr lang="zh-CN" altLang="en-US" sz="3400" kern="1200" dirty="0" smtClean="0">
-              <a:solidFill>
-                <a:srgbClr val="C00000"/>
-              </a:solidFill>
-            </a:rPr>
-            <a:t>选取子对象</a:t>
-          </a:r>
-          <a:endParaRPr lang="zh-CN" altLang="en-US" sz="3400" kern="1200" dirty="0">
-            <a:solidFill>
-              <a:srgbClr val="C00000"/>
-            </a:solidFill>
-          </a:endParaRPr>
-        </a:p>
-      </dsp:txBody>
-      <dsp:txXfrm>
-        <a:off x="1455746" y="1396999"/>
-        <a:ext cx="5315168" cy="1269999"/>
-      </dsp:txXfrm>
-    </dsp:sp>
-    <dsp:sp modelId="{8DBD118D-66C0-4325-B31E-47FD7D473808}">
-      <dsp:nvSpPr>
-        <dsp:cNvPr id="0" name=""/>
-        <dsp:cNvSpPr/>
-      </dsp:nvSpPr>
-      <dsp:spPr>
-        <a:xfrm>
-          <a:off x="1354183" y="2666999"/>
-          <a:ext cx="5416732" cy="0"/>
-        </a:xfrm>
-        <a:prstGeom prst="line">
-          <a:avLst/>
-        </a:prstGeom>
-        <a:solidFill>
-          <a:schemeClr val="accent3">
-            <a:hueOff val="0"/>
-            <a:satOff val="0"/>
-            <a:lumOff val="0"/>
-            <a:alphaOff val="0"/>
-          </a:schemeClr>
-        </a:solidFill>
-        <a:ln w="25400" cap="flat" cmpd="sng" algn="ctr">
-          <a:solidFill>
-            <a:schemeClr val="accent3">
-              <a:tint val="50000"/>
-              <a:hueOff val="0"/>
-              <a:satOff val="0"/>
-              <a:lumOff val="0"/>
-              <a:alphaOff val="0"/>
-            </a:schemeClr>
-          </a:solidFill>
-          <a:prstDash val="solid"/>
-        </a:ln>
-        <a:effectLst/>
-        <a:sp3d z="127000" prstMaterial="matte"/>
-      </dsp:spPr>
-      <dsp:style>
-        <a:lnRef idx="2">
-          <a:scrgbClr r="0" g="0" b="0"/>
-        </a:lnRef>
-        <a:fillRef idx="1">
-          <a:scrgbClr r="0" g="0" b="0"/>
-        </a:fillRef>
-        <a:effectRef idx="0">
-          <a:scrgbClr r="0" g="0" b="0"/>
-        </a:effectRef>
-        <a:fontRef idx="minor"/>
-      </dsp:style>
-    </dsp:sp>
-    <dsp:sp modelId="{C33BBA45-9757-441E-A8A5-D4D8378AFD73}">
-      <dsp:nvSpPr>
-        <dsp:cNvPr id="0" name=""/>
-        <dsp:cNvSpPr/>
-      </dsp:nvSpPr>
-      <dsp:spPr>
-        <a:xfrm>
-          <a:off x="1455746" y="2730499"/>
-          <a:ext cx="5315168" cy="1269999"/>
-        </a:xfrm>
-        <a:prstGeom prst="rect">
-          <a:avLst/>
-        </a:prstGeom>
-        <a:noFill/>
-        <a:ln>
-          <a:noFill/>
-        </a:ln>
-        <a:effectLst/>
-      </dsp:spPr>
-      <dsp:style>
-        <a:lnRef idx="0">
-          <a:scrgbClr r="0" g="0" b="0"/>
-        </a:lnRef>
-        <a:fillRef idx="0">
-          <a:scrgbClr r="0" g="0" b="0"/>
-        </a:fillRef>
-        <a:effectRef idx="0">
-          <a:scrgbClr r="0" g="0" b="0"/>
-        </a:effectRef>
-        <a:fontRef idx="minor"/>
-      </dsp:style>
-      <dsp:txBody>
-        <a:bodyPr spcFirstLastPara="0" vert="horz" wrap="square" lIns="129540" tIns="129540" rIns="129540" bIns="129540" numCol="1" spcCol="1270" anchor="t" anchorCtr="0">
-          <a:noAutofit/>
-        </a:bodyPr>
-        <a:lstStyle/>
-        <a:p>
-          <a:pPr lvl="0" algn="l" defTabSz="1511300">
-            <a:lnSpc>
-              <a:spcPct val="90000"/>
-            </a:lnSpc>
-            <a:spcBef>
-              <a:spcPct val="0"/>
-            </a:spcBef>
-            <a:spcAft>
-              <a:spcPct val="35000"/>
-            </a:spcAft>
-          </a:pPr>
-          <a:r>
-            <a:rPr lang="zh-CN" altLang="zh-CN" sz="3400" kern="1200" dirty="0" smtClean="0">
-              <a:latin typeface="+mn-ea"/>
-              <a:ea typeface="+mn-ea"/>
-            </a:rPr>
-            <a:t>使用</a:t>
-          </a:r>
-          <a:r>
-            <a:rPr lang="en-US" altLang="zh-CN" sz="3400" kern="1200" dirty="0" smtClean="0">
-              <a:latin typeface="+mn-ea"/>
-              <a:ea typeface="+mn-ea"/>
-            </a:rPr>
-            <a:t> Description </a:t>
-          </a:r>
-          <a:r>
-            <a:rPr lang="zh-CN" altLang="zh-CN" sz="3400" kern="1200" dirty="0" smtClean="0">
-              <a:latin typeface="+mn-ea"/>
-              <a:ea typeface="+mn-ea"/>
-            </a:rPr>
-            <a:t>对象添加一组属性及属性值</a:t>
-          </a:r>
-          <a:endParaRPr lang="zh-CN" altLang="en-US" sz="3400" kern="1200" dirty="0"/>
-        </a:p>
-      </dsp:txBody>
-      <dsp:txXfrm>
-        <a:off x="1455746" y="2730499"/>
-        <a:ext cx="5315168" cy="1269999"/>
-      </dsp:txXfrm>
-    </dsp:sp>
-    <dsp:sp modelId="{E399A6C3-56E6-4222-BB6F-EF9C57AB4CB6}">
-      <dsp:nvSpPr>
-        <dsp:cNvPr id="0" name=""/>
-        <dsp:cNvSpPr/>
-      </dsp:nvSpPr>
-      <dsp:spPr>
-        <a:xfrm>
-          <a:off x="1354183" y="4000499"/>
-          <a:ext cx="5416732" cy="0"/>
-        </a:xfrm>
-        <a:prstGeom prst="line">
-          <a:avLst/>
-        </a:prstGeom>
-        <a:solidFill>
-          <a:schemeClr val="accent3">
-            <a:hueOff val="0"/>
-            <a:satOff val="0"/>
-            <a:lumOff val="0"/>
-            <a:alphaOff val="0"/>
-          </a:schemeClr>
-        </a:solidFill>
-        <a:ln w="25400" cap="flat" cmpd="sng" algn="ctr">
-          <a:solidFill>
-            <a:schemeClr val="accent3">
-              <a:tint val="50000"/>
-              <a:hueOff val="0"/>
-              <a:satOff val="0"/>
-              <a:lumOff val="0"/>
-              <a:alphaOff val="0"/>
-            </a:schemeClr>
-          </a:solidFill>
-          <a:prstDash val="solid"/>
-        </a:ln>
-        <a:effectLst/>
-        <a:sp3d z="127000" prstMaterial="matte"/>
-      </dsp:spPr>
-      <dsp:style>
-        <a:lnRef idx="2">
-          <a:scrgbClr r="0" g="0" b="0"/>
-        </a:lnRef>
-        <a:fillRef idx="1">
-          <a:scrgbClr r="0" g="0" b="0"/>
-        </a:fillRef>
-        <a:effectRef idx="0">
-          <a:scrgbClr r="0" g="0" b="0"/>
-        </a:effectRef>
-        <a:fontRef idx="minor"/>
-      </dsp:style>
-    </dsp:sp>
   </dsp:spTree>
 </dsp:drawing>
 </file>
@@ -11804,7 +11292,7 @@
           <a:p>
             <a:fld id="{AC305B9E-BD77-4D0C-8B11-D405776170DD}" type="datetimeFigureOut">
               <a:rPr lang="zh-CN" altLang="en-US" smtClean="0"/>
-              <a:t>2017/9/6</a:t>
+              <a:t>2017/9/7</a:t>
             </a:fld>
             <a:endParaRPr lang="zh-CN" altLang="en-US"/>
           </a:p>
@@ -13103,7 +12591,7 @@
           <a:p>
             <a:fld id="{530820CF-B880-4189-942D-D702A7CBA730}" type="datetimeFigureOut">
               <a:rPr lang="zh-CN" altLang="en-US" smtClean="0"/>
-              <a:t>2017/9/6</a:t>
+              <a:t>2017/9/7</a:t>
             </a:fld>
             <a:endParaRPr lang="zh-CN" altLang="en-US"/>
           </a:p>
@@ -15533,7 +15021,7 @@
           <a:p>
             <a:fld id="{530820CF-B880-4189-942D-D702A7CBA730}" type="datetimeFigureOut">
               <a:rPr lang="zh-CN" altLang="en-US" smtClean="0"/>
-              <a:t>2017/9/6</a:t>
+              <a:t>2017/9/7</a:t>
             </a:fld>
             <a:endParaRPr lang="zh-CN" altLang="en-US"/>
           </a:p>
@@ -17453,7 +16941,7 @@
           <a:p>
             <a:fld id="{530820CF-B880-4189-942D-D702A7CBA730}" type="datetimeFigureOut">
               <a:rPr lang="zh-CN" altLang="en-US" smtClean="0"/>
-              <a:t>2017/9/6</a:t>
+              <a:t>2017/9/7</a:t>
             </a:fld>
             <a:endParaRPr lang="zh-CN" altLang="en-US"/>
           </a:p>
@@ -17867,30 +17355,44 @@
           </a:p>
         </p:txBody>
       </p:sp>
-      <p:pic>
-        <p:nvPicPr>
-          <p:cNvPr id="4" name="图片 3"/>
-          <p:cNvPicPr>
-            <a:picLocks noChangeAspect="1"/>
-          </p:cNvPicPr>
+      <p:sp>
+        <p:nvSpPr>
+          <p:cNvPr id="5" name="TextBox 4"/>
+          <p:cNvSpPr txBox="1"/>
           <p:nvPr/>
-        </p:nvPicPr>
-        <p:blipFill>
-          <a:blip r:embed="rId3"/>
-          <a:stretch>
-            <a:fillRect/>
-          </a:stretch>
-        </p:blipFill>
+        </p:nvSpPr>
         <p:spPr>
           <a:xfrm>
-            <a:off x="5652120" y="116632"/>
-            <a:ext cx="3428571" cy="685714"/>
+            <a:off x="4860032" y="6301743"/>
+            <a:ext cx="3672408" cy="461665"/>
           </a:xfrm>
           <a:prstGeom prst="rect">
             <a:avLst/>
           </a:prstGeom>
+          <a:noFill/>
         </p:spPr>
-      </p:pic>
+        <p:txBody>
+          <a:bodyPr wrap="square" rtlCol="0">
+            <a:spAutoFit/>
+          </a:bodyPr>
+          <a:lstStyle/>
+          <a:p>
+            <a:r>
+              <a:rPr lang="zh-CN" altLang="en-US" sz="2400" b="1" dirty="0" smtClean="0">
+                <a:solidFill>
+                  <a:schemeClr val="bg1"/>
+                </a:solidFill>
+              </a:rPr>
+              <a:t>河北师范大学软件学院</a:t>
+            </a:r>
+            <a:endParaRPr lang="zh-CN" altLang="en-US" sz="2400" b="1" dirty="0">
+              <a:solidFill>
+                <a:schemeClr val="bg1"/>
+              </a:solidFill>
+            </a:endParaRPr>
+          </a:p>
+        </p:txBody>
+      </p:sp>
     </p:spTree>
     <p:extLst>
       <p:ext uri="{BB962C8B-B14F-4D97-AF65-F5344CB8AC3E}">
@@ -23696,14 +23198,7 @@
                 <a:latin typeface="+mn-ea"/>
                 <a:ea typeface="+mn-ea"/>
               </a:rPr>
-              <a:t>的</a:t>
-            </a:r>
-            <a:r>
-              <a:rPr lang="zh-CN" altLang="zh-CN" sz="2400" dirty="0" smtClean="0">
-                <a:latin typeface="+mn-ea"/>
-                <a:ea typeface="+mn-ea"/>
-              </a:rPr>
-              <a:t>集合</a:t>
+              <a:t>的集合</a:t>
             </a:r>
             <a:endParaRPr lang="en-US" altLang="zh-CN" sz="2400" dirty="0" smtClean="0">
               <a:latin typeface="+mn-ea"/>

--- a/PPT/06 UFT Description Programme.pptx
+++ b/PPT/06 UFT Description Programme.pptx
@@ -126,7 +126,7 @@
   </p:defaultTextStyle>
   <p:extLst>
     <p:ext uri="{EFAFB233-063F-42B5-8137-9DF3F51BA10A}">
-      <p15:sldGuideLst xmlns:p15="http://schemas.microsoft.com/office/powerpoint/2012/main" xmlns="">
+      <p15:sldGuideLst xmlns="" xmlns:p15="http://schemas.microsoft.com/office/powerpoint/2012/main">
         <p15:guide id="1" orient="horz" pos="2160">
           <p15:clr>
             <a:srgbClr val="A4A3A4"/>
@@ -3072,8 +3072,8 @@
     <dgm:cxn modelId="{00D8C35F-6014-43F2-A272-46D0258DC54B}" type="presOf" srcId="{56C99597-15F7-44A3-AED5-6D2E97D28E33}" destId="{62B6B262-1ED8-4B5C-9E4C-39D548A8BC8C}" srcOrd="1" destOrd="0" presId="urn:microsoft.com/office/officeart/2005/8/layout/chart3"/>
     <dgm:cxn modelId="{36F292E3-C707-477D-A56F-635DBD8AD159}" type="presOf" srcId="{A2361B3C-C19F-414F-9ABE-A469B6CBFF14}" destId="{2CDC547A-BA6E-46EA-BA71-DC8B365DEB40}" srcOrd="0" destOrd="0" presId="urn:microsoft.com/office/officeart/2005/8/layout/chart3"/>
     <dgm:cxn modelId="{4E1D371C-AC64-4E46-A8BB-AB450D3AD68F}" srcId="{A2361B3C-C19F-414F-9ABE-A469B6CBFF14}" destId="{56C99597-15F7-44A3-AED5-6D2E97D28E33}" srcOrd="0" destOrd="0" parTransId="{FF77C980-0829-465B-8705-6E4536B68FA4}" sibTransId="{793A13A9-B34C-403D-93E2-C70A1CFFAAC1}"/>
+    <dgm:cxn modelId="{DC8E83BD-FC8A-4412-A0FC-7E0DFB8B011B}" type="presOf" srcId="{F0BD72A5-A221-499A-9806-49B5D217D906}" destId="{7DF21BD5-AB1A-41A7-BB90-AAEE9E712A42}" srcOrd="0" destOrd="0" presId="urn:microsoft.com/office/officeart/2005/8/layout/chart3"/>
     <dgm:cxn modelId="{CB15E58C-8DD0-42C3-8C72-230783474FD8}" srcId="{A2361B3C-C19F-414F-9ABE-A469B6CBFF14}" destId="{F0BD72A5-A221-499A-9806-49B5D217D906}" srcOrd="1" destOrd="0" parTransId="{8B351DB1-FD4C-47B9-895A-314C04493263}" sibTransId="{3E47A02B-4CB0-40C1-A97C-E8C7DBA2CEED}"/>
-    <dgm:cxn modelId="{DC8E83BD-FC8A-4412-A0FC-7E0DFB8B011B}" type="presOf" srcId="{F0BD72A5-A221-499A-9806-49B5D217D906}" destId="{7DF21BD5-AB1A-41A7-BB90-AAEE9E712A42}" srcOrd="0" destOrd="0" presId="urn:microsoft.com/office/officeart/2005/8/layout/chart3"/>
     <dgm:cxn modelId="{93A4F5F9-B9D8-4B77-8699-6654CA04B722}" type="presParOf" srcId="{2CDC547A-BA6E-46EA-BA71-DC8B365DEB40}" destId="{546390BE-A431-44BE-B388-447EA66AB706}" srcOrd="0" destOrd="0" presId="urn:microsoft.com/office/officeart/2005/8/layout/chart3"/>
     <dgm:cxn modelId="{06D28D9E-9B2B-488C-B607-E95BABE2A774}" type="presParOf" srcId="{2CDC547A-BA6E-46EA-BA71-DC8B365DEB40}" destId="{62B6B262-1ED8-4B5C-9E4C-39D548A8BC8C}" srcOrd="1" destOrd="0" presId="urn:microsoft.com/office/officeart/2005/8/layout/chart3"/>
     <dgm:cxn modelId="{B60FA9C8-15DF-4C78-ADF0-1DEE6EA78566}" type="presParOf" srcId="{2CDC547A-BA6E-46EA-BA71-DC8B365DEB40}" destId="{7DF21BD5-AB1A-41A7-BB90-AAEE9E712A42}" srcOrd="2" destOrd="0" presId="urn:microsoft.com/office/officeart/2005/8/layout/chart3"/>
@@ -21469,14 +21469,26 @@
               </a:buBlip>
             </a:pPr>
             <a:r>
-              <a:rPr lang="zh-CN" altLang="en-US" dirty="0"/>
+              <a:rPr lang="zh-CN" altLang="en-US" dirty="0">
+                <a:solidFill>
+                  <a:srgbClr val="FF0000"/>
+                </a:solidFill>
+              </a:rPr>
               <a:t>描述性编程</a:t>
             </a:r>
             <a:r>
-              <a:rPr lang="zh-CN" altLang="en-US" dirty="0" smtClean="0"/>
+              <a:rPr lang="zh-CN" altLang="en-US" dirty="0" smtClean="0">
+                <a:solidFill>
+                  <a:srgbClr val="FF0000"/>
+                </a:solidFill>
+              </a:rPr>
               <a:t>概述</a:t>
             </a:r>
-            <a:endParaRPr lang="en-US" altLang="zh-CN" dirty="0" smtClean="0"/>
+            <a:endParaRPr lang="en-US" altLang="zh-CN" dirty="0" smtClean="0">
+              <a:solidFill>
+                <a:srgbClr val="FF0000"/>
+              </a:solidFill>
+            </a:endParaRPr>
           </a:p>
           <a:p>
             <a:pPr marL="457200" indent="-457200" eaLnBrk="0" fontAlgn="base" hangingPunct="0">
@@ -22497,8 +22509,8 @@
         </p:nvSpPr>
         <p:spPr>
           <a:xfrm>
-            <a:off x="-468560" y="928688"/>
-            <a:ext cx="10081120" cy="5214937"/>
+            <a:off x="-540568" y="806351"/>
+            <a:ext cx="10369152" cy="5214937"/>
           </a:xfrm>
         </p:spPr>
         <p:txBody>
